--- a/JFM/figs/addMarker.pptx
+++ b/JFM/figs/addMarker.pptx
@@ -243,7 +243,7 @@
           <a:p>
             <a:fld id="{7F0DCCC8-D7DC-4BC7-8521-C762C1E925BD}" type="datetimeFigureOut">
               <a:rPr lang="en-US" smtClean="0"/>
-              <a:t>11/16/2021</a:t>
+              <a:t>12/20/2021</a:t>
             </a:fld>
             <a:endParaRPr lang="en-US"/>
           </a:p>
@@ -413,7 +413,7 @@
           <a:p>
             <a:fld id="{7F0DCCC8-D7DC-4BC7-8521-C762C1E925BD}" type="datetimeFigureOut">
               <a:rPr lang="en-US" smtClean="0"/>
-              <a:t>11/16/2021</a:t>
+              <a:t>12/20/2021</a:t>
             </a:fld>
             <a:endParaRPr lang="en-US"/>
           </a:p>
@@ -593,7 +593,7 @@
           <a:p>
             <a:fld id="{7F0DCCC8-D7DC-4BC7-8521-C762C1E925BD}" type="datetimeFigureOut">
               <a:rPr lang="en-US" smtClean="0"/>
-              <a:t>11/16/2021</a:t>
+              <a:t>12/20/2021</a:t>
             </a:fld>
             <a:endParaRPr lang="en-US"/>
           </a:p>
@@ -763,7 +763,7 @@
           <a:p>
             <a:fld id="{7F0DCCC8-D7DC-4BC7-8521-C762C1E925BD}" type="datetimeFigureOut">
               <a:rPr lang="en-US" smtClean="0"/>
-              <a:t>11/16/2021</a:t>
+              <a:t>12/20/2021</a:t>
             </a:fld>
             <a:endParaRPr lang="en-US"/>
           </a:p>
@@ -1009,7 +1009,7 @@
           <a:p>
             <a:fld id="{7F0DCCC8-D7DC-4BC7-8521-C762C1E925BD}" type="datetimeFigureOut">
               <a:rPr lang="en-US" smtClean="0"/>
-              <a:t>11/16/2021</a:t>
+              <a:t>12/20/2021</a:t>
             </a:fld>
             <a:endParaRPr lang="en-US"/>
           </a:p>
@@ -1241,7 +1241,7 @@
           <a:p>
             <a:fld id="{7F0DCCC8-D7DC-4BC7-8521-C762C1E925BD}" type="datetimeFigureOut">
               <a:rPr lang="en-US" smtClean="0"/>
-              <a:t>11/16/2021</a:t>
+              <a:t>12/20/2021</a:t>
             </a:fld>
             <a:endParaRPr lang="en-US"/>
           </a:p>
@@ -1608,7 +1608,7 @@
           <a:p>
             <a:fld id="{7F0DCCC8-D7DC-4BC7-8521-C762C1E925BD}" type="datetimeFigureOut">
               <a:rPr lang="en-US" smtClean="0"/>
-              <a:t>11/16/2021</a:t>
+              <a:t>12/20/2021</a:t>
             </a:fld>
             <a:endParaRPr lang="en-US"/>
           </a:p>
@@ -1726,7 +1726,7 @@
           <a:p>
             <a:fld id="{7F0DCCC8-D7DC-4BC7-8521-C762C1E925BD}" type="datetimeFigureOut">
               <a:rPr lang="en-US" smtClean="0"/>
-              <a:t>11/16/2021</a:t>
+              <a:t>12/20/2021</a:t>
             </a:fld>
             <a:endParaRPr lang="en-US"/>
           </a:p>
@@ -1821,7 +1821,7 @@
           <a:p>
             <a:fld id="{7F0DCCC8-D7DC-4BC7-8521-C762C1E925BD}" type="datetimeFigureOut">
               <a:rPr lang="en-US" smtClean="0"/>
-              <a:t>11/16/2021</a:t>
+              <a:t>12/20/2021</a:t>
             </a:fld>
             <a:endParaRPr lang="en-US"/>
           </a:p>
@@ -2098,7 +2098,7 @@
           <a:p>
             <a:fld id="{7F0DCCC8-D7DC-4BC7-8521-C762C1E925BD}" type="datetimeFigureOut">
               <a:rPr lang="en-US" smtClean="0"/>
-              <a:t>11/16/2021</a:t>
+              <a:t>12/20/2021</a:t>
             </a:fld>
             <a:endParaRPr lang="en-US"/>
           </a:p>
@@ -2355,7 +2355,7 @@
           <a:p>
             <a:fld id="{7F0DCCC8-D7DC-4BC7-8521-C762C1E925BD}" type="datetimeFigureOut">
               <a:rPr lang="en-US" smtClean="0"/>
-              <a:t>11/16/2021</a:t>
+              <a:t>12/20/2021</a:t>
             </a:fld>
             <a:endParaRPr lang="en-US"/>
           </a:p>
@@ -2568,7 +2568,7 @@
           <a:p>
             <a:fld id="{7F0DCCC8-D7DC-4BC7-8521-C762C1E925BD}" type="datetimeFigureOut">
               <a:rPr lang="en-US" smtClean="0"/>
-              <a:t>11/16/2021</a:t>
+              <a:t>12/20/2021</a:t>
             </a:fld>
             <a:endParaRPr lang="en-US"/>
           </a:p>
@@ -3398,7 +3398,7 @@
             <p:spPr>
               <a:xfrm>
                 <a:off x="1034959" y="4179605"/>
-                <a:ext cx="1380695" cy="697114"/>
+                <a:ext cx="1380695" cy="670696"/>
               </a:xfrm>
               <a:prstGeom prst="rect">
                 <a:avLst/>
@@ -3441,40 +3441,24 @@
                           </m:r>
                         </m:e>
                         <m:sub>
-                          <m:sSub>
-                            <m:sSubPr>
-                              <m:ctrlPr>
-                                <a:rPr lang="en-US" sz="3600" b="0" i="1" smtClean="0">
-                                  <a:solidFill>
-                                    <a:srgbClr val="0000FF"/>
-                                  </a:solidFill>
-                                  <a:latin typeface="Cambria Math" panose="02040503050406030204" pitchFamily="18" charset="0"/>
-                                </a:rPr>
-                              </m:ctrlPr>
-                            </m:sSubPr>
-                            <m:e>
-                              <m:r>
-                                <a:rPr lang="en-US" sz="3600" i="1">
-                                  <a:solidFill>
-                                    <a:srgbClr val="0000FF"/>
-                                  </a:solidFill>
-                                  <a:latin typeface="Cambria Math" panose="02040503050406030204" pitchFamily="18" charset="0"/>
-                                </a:rPr>
-                                <m:t>ℓ</m:t>
-                              </m:r>
-                            </m:e>
-                            <m:sub>
-                              <m:r>
-                                <a:rPr lang="en-US" sz="3600" b="0" i="1" smtClean="0">
-                                  <a:solidFill>
-                                    <a:srgbClr val="0000FF"/>
-                                  </a:solidFill>
-                                  <a:latin typeface="Cambria Math" panose="02040503050406030204" pitchFamily="18" charset="0"/>
-                                </a:rPr>
-                                <m:t>0</m:t>
-                              </m:r>
-                            </m:sub>
-                          </m:sSub>
+                          <m:r>
+                            <a:rPr lang="en-US" sz="3600" i="1">
+                              <a:solidFill>
+                                <a:srgbClr val="0000FF"/>
+                              </a:solidFill>
+                              <a:latin typeface="Cambria Math" panose="02040503050406030204" pitchFamily="18" charset="0"/>
+                            </a:rPr>
+                            <m:t>2,</m:t>
+                          </m:r>
+                          <m:r>
+                            <a:rPr lang="en-US" sz="3600" i="1">
+                              <a:solidFill>
+                                <a:srgbClr val="0000FF"/>
+                              </a:solidFill>
+                              <a:latin typeface="Cambria Math" panose="02040503050406030204" pitchFamily="18" charset="0"/>
+                            </a:rPr>
+                            <m:t>ℓ</m:t>
+                          </m:r>
                           <m:r>
                             <a:rPr lang="en-US" sz="3600" b="0" i="1" smtClean="0">
                               <a:solidFill>
@@ -3518,7 +3502,7 @@
             <p:spPr>
               <a:xfrm>
                 <a:off x="1034959" y="4179605"/>
-                <a:ext cx="1380695" cy="697114"/>
+                <a:ext cx="1380695" cy="670696"/>
               </a:xfrm>
               <a:prstGeom prst="rect">
                 <a:avLst/>
@@ -3562,7 +3546,7 @@
             <p:spPr>
               <a:xfrm>
                 <a:off x="2415654" y="1507655"/>
-                <a:ext cx="1296535" cy="697114"/>
+                <a:ext cx="1296535" cy="670696"/>
               </a:xfrm>
               <a:prstGeom prst="rect">
                 <a:avLst/>
@@ -3601,6 +3585,7 @@
                               <a:solidFill>
                                 <a:srgbClr val="0000FF"/>
                               </a:solidFill>
+                              <a:latin typeface="Cambria Math" panose="02040503050406030204" pitchFamily="18" charset="0"/>
                             </a:rPr>
                           </m:ctrlPr>
                         </m:sSubPr>
@@ -3610,42 +3595,30 @@
                               <a:solidFill>
                                 <a:srgbClr val="0000FF"/>
                               </a:solidFill>
+                              <a:latin typeface="Cambria Math" panose="02040503050406030204" pitchFamily="18" charset="0"/>
                             </a:rPr>
                             <m:t>𝑿</m:t>
                           </m:r>
                         </m:e>
                         <m:sub>
-                          <m:sSub>
-                            <m:sSubPr>
-                              <m:ctrlPr>
-                                <a:rPr lang="en-US" sz="3600" b="0" i="1" smtClean="0">
-                                  <a:solidFill>
-                                    <a:srgbClr val="0000FF"/>
-                                  </a:solidFill>
-                                </a:rPr>
-                              </m:ctrlPr>
-                            </m:sSubPr>
-                            <m:e>
-                              <m:r>
-                                <a:rPr lang="en-US" sz="3600" b="0" i="1" smtClean="0">
-                                  <a:solidFill>
-                                    <a:srgbClr val="0000FF"/>
-                                  </a:solidFill>
-                                </a:rPr>
-                                <m:t>ℓ</m:t>
-                              </m:r>
-                            </m:e>
-                            <m:sub>
-                              <m:r>
-                                <a:rPr lang="en-US" sz="3600" b="0" i="1" smtClean="0">
-                                  <a:solidFill>
-                                    <a:srgbClr val="0000FF"/>
-                                  </a:solidFill>
-                                </a:rPr>
-                                <m:t>0</m:t>
-                              </m:r>
-                            </m:sub>
-                          </m:sSub>
+                          <m:r>
+                            <a:rPr lang="en-US" sz="3600" b="0" i="1" smtClean="0">
+                              <a:solidFill>
+                                <a:srgbClr val="0000FF"/>
+                              </a:solidFill>
+                              <a:latin typeface="Cambria Math" panose="02040503050406030204" pitchFamily="18" charset="0"/>
+                            </a:rPr>
+                            <m:t>2, </m:t>
+                          </m:r>
+                          <m:r>
+                            <a:rPr lang="en-US" sz="3600" b="0" i="1" smtClean="0">
+                              <a:solidFill>
+                                <a:srgbClr val="0000FF"/>
+                              </a:solidFill>
+                              <a:latin typeface="Cambria Math" panose="02040503050406030204" pitchFamily="18" charset="0"/>
+                            </a:rPr>
+                            <m:t>ℓ</m:t>
+                          </m:r>
                         </m:sub>
                       </m:sSub>
                     </m:oMath>
@@ -3680,7 +3653,7 @@
             <p:spPr>
               <a:xfrm>
                 <a:off x="2415654" y="1507655"/>
-                <a:ext cx="1296535" cy="697114"/>
+                <a:ext cx="1296535" cy="670696"/>
               </a:xfrm>
               <a:prstGeom prst="rect">
                 <a:avLst/>
@@ -3724,7 +3697,7 @@
             <p:spPr>
               <a:xfrm>
                 <a:off x="8432046" y="1792468"/>
-                <a:ext cx="1498978" cy="697114"/>
+                <a:ext cx="1498978" cy="670696"/>
               </a:xfrm>
               <a:prstGeom prst="rect">
                 <a:avLst/>
@@ -3759,37 +3732,34 @@
                       <m:sSub>
                         <m:sSubPr>
                           <m:ctrlPr>
-                            <a:rPr lang="en-US" i="1" smtClean="0"/>
+                            <a:rPr lang="en-US" i="1" smtClean="0">
+                              <a:latin typeface="Cambria Math" panose="02040503050406030204" pitchFamily="18" charset="0"/>
+                            </a:rPr>
                           </m:ctrlPr>
                         </m:sSubPr>
                         <m:e>
                           <m:r>
-                            <a:rPr lang="en-US" b="1" i="1"/>
+                            <a:rPr lang="en-US" b="1" i="1">
+                              <a:latin typeface="Cambria Math" panose="02040503050406030204" pitchFamily="18" charset="0"/>
+                            </a:rPr>
                             <m:t>𝑿</m:t>
                           </m:r>
                         </m:e>
                         <m:sub>
-                          <m:sSub>
-                            <m:sSubPr>
-                              <m:ctrlPr>
-                                <a:rPr lang="en-US" i="1"/>
-                              </m:ctrlPr>
-                            </m:sSubPr>
-                            <m:e>
-                              <m:r>
-                                <a:rPr lang="en-US" i="1"/>
-                                <m:t>ℓ</m:t>
-                              </m:r>
-                            </m:e>
-                            <m:sub>
-                              <m:r>
-                                <a:rPr lang="en-US" i="1"/>
-                                <m:t>0</m:t>
-                              </m:r>
-                            </m:sub>
-                          </m:sSub>
                           <m:r>
-                            <a:rPr lang="en-US" b="0" i="1" smtClean="0"/>
+                            <a:rPr lang="en-US" i="1"/>
+                            <m:t>2,</m:t>
+                          </m:r>
+                          <m:r>
+                            <a:rPr lang="en-US" i="1">
+                              <a:latin typeface="Cambria Math" panose="02040503050406030204" pitchFamily="18" charset="0"/>
+                            </a:rPr>
+                            <m:t>ℓ</m:t>
+                          </m:r>
+                          <m:r>
+                            <a:rPr lang="en-US" b="0" i="1" smtClean="0">
+                              <a:latin typeface="Cambria Math" panose="02040503050406030204" pitchFamily="18" charset="0"/>
+                            </a:rPr>
                             <m:t>+1</m:t>
                           </m:r>
                         </m:sub>
@@ -3823,7 +3793,7 @@
             <p:spPr>
               <a:xfrm>
                 <a:off x="8432046" y="1792468"/>
-                <a:ext cx="1498978" cy="697114"/>
+                <a:ext cx="1498978" cy="670696"/>
               </a:xfrm>
               <a:prstGeom prst="rect">
                 <a:avLst/>
@@ -3867,7 +3837,7 @@
             <p:spPr>
               <a:xfrm>
                 <a:off x="9166748" y="4241958"/>
-                <a:ext cx="1498979" cy="697114"/>
+                <a:ext cx="1498979" cy="670696"/>
               </a:xfrm>
               <a:prstGeom prst="rect">
                 <a:avLst/>
@@ -3902,37 +3872,34 @@
                       <m:sSub>
                         <m:sSubPr>
                           <m:ctrlPr>
-                            <a:rPr lang="en-US" i="1" smtClean="0"/>
+                            <a:rPr lang="en-US" i="1" smtClean="0">
+                              <a:latin typeface="Cambria Math" panose="02040503050406030204" pitchFamily="18" charset="0"/>
+                            </a:rPr>
                           </m:ctrlPr>
                         </m:sSubPr>
                         <m:e>
                           <m:r>
-                            <a:rPr lang="en-US" b="1" i="1"/>
+                            <a:rPr lang="en-US" b="1" i="1">
+                              <a:latin typeface="Cambria Math" panose="02040503050406030204" pitchFamily="18" charset="0"/>
+                            </a:rPr>
                             <m:t>𝑿</m:t>
                           </m:r>
                         </m:e>
                         <m:sub>
-                          <m:sSub>
-                            <m:sSubPr>
-                              <m:ctrlPr>
-                                <a:rPr lang="en-US" i="1"/>
-                              </m:ctrlPr>
-                            </m:sSubPr>
-                            <m:e>
-                              <m:r>
-                                <a:rPr lang="en-US" i="1"/>
-                                <m:t>ℓ</m:t>
-                              </m:r>
-                            </m:e>
-                            <m:sub>
-                              <m:r>
-                                <a:rPr lang="en-US" i="1"/>
-                                <m:t>0</m:t>
-                              </m:r>
-                            </m:sub>
-                          </m:sSub>
                           <m:r>
-                            <a:rPr lang="en-US" b="0" i="1" smtClean="0"/>
+                            <a:rPr lang="en-US" i="1"/>
+                            <m:t>2,</m:t>
+                          </m:r>
+                          <m:r>
+                            <a:rPr lang="en-US" i="1">
+                              <a:latin typeface="Cambria Math" panose="02040503050406030204" pitchFamily="18" charset="0"/>
+                            </a:rPr>
+                            <m:t>ℓ</m:t>
+                          </m:r>
+                          <m:r>
+                            <a:rPr lang="en-US" b="0" i="1" smtClean="0">
+                              <a:latin typeface="Cambria Math" panose="02040503050406030204" pitchFamily="18" charset="0"/>
+                            </a:rPr>
                             <m:t>+2</m:t>
                           </m:r>
                         </m:sub>
@@ -3966,7 +3933,7 @@
             <p:spPr>
               <a:xfrm>
                 <a:off x="9166748" y="4241958"/>
-                <a:ext cx="1498979" cy="697114"/>
+                <a:ext cx="1498979" cy="670696"/>
               </a:xfrm>
               <a:prstGeom prst="rect">
                 <a:avLst/>
@@ -4089,15 +4056,22 @@
           <a:p>
             <a:pPr algn="ctr"/>
             <a:r>
-              <a:rPr lang="en-US" dirty="0">
+              <a:rPr lang="en-US">
                 <a:solidFill>
                   <a:schemeClr val="tx1"/>
                 </a:solidFill>
                 <a:latin typeface="Times New Roman" panose="02020603050405020304" pitchFamily="18" charset="0"/>
                 <a:cs typeface="Times New Roman" panose="02020603050405020304" pitchFamily="18" charset="0"/>
               </a:rPr>
-              <a:t>IX</a:t>
-            </a:r>
+              <a:t>IS</a:t>
+            </a:r>
+            <a:endParaRPr lang="en-US" dirty="0">
+              <a:solidFill>
+                <a:schemeClr val="tx1"/>
+              </a:solidFill>
+              <a:latin typeface="Times New Roman" panose="02020603050405020304" pitchFamily="18" charset="0"/>
+              <a:cs typeface="Times New Roman" panose="02020603050405020304" pitchFamily="18" charset="0"/>
+            </a:endParaRPr>
           </a:p>
         </p:txBody>
       </p:sp>
